--- a/CMP5360 Web Game Development/My3DWebGamePresentation.pptx
+++ b/CMP5360 Web Game Development/My3DWebGamePresentation.pptx
@@ -112,6 +112,11 @@
       </a:defRPr>
     </a:lvl9pPr>
   </p:defaultTextStyle>
+  <p:extLst>
+    <p:ext uri="{EFAFB233-063F-42B5-8137-9DF3F51BA10A}">
+      <p15:sldGuideLst xmlns:p15="http://schemas.microsoft.com/office/powerpoint/2012/main"/>
+    </p:ext>
+  </p:extLst>
 </p:presentation>
 </file>
 
@@ -262,7 +267,7 @@
           <a:p>
             <a:fld id="{4E4AC8E9-E433-4087-A968-536B4AF3F39C}" type="datetimeFigureOut">
               <a:rPr lang="en-GB" smtClean="0"/>
-              <a:t>08/11/2024</a:t>
+              <a:t>15/11/2024</a:t>
             </a:fld>
             <a:endParaRPr lang="en-GB"/>
           </a:p>
@@ -460,7 +465,7 @@
           <a:p>
             <a:fld id="{4E4AC8E9-E433-4087-A968-536B4AF3F39C}" type="datetimeFigureOut">
               <a:rPr lang="en-GB" smtClean="0"/>
-              <a:t>08/11/2024</a:t>
+              <a:t>15/11/2024</a:t>
             </a:fld>
             <a:endParaRPr lang="en-GB"/>
           </a:p>
@@ -668,7 +673,7 @@
           <a:p>
             <a:fld id="{4E4AC8E9-E433-4087-A968-536B4AF3F39C}" type="datetimeFigureOut">
               <a:rPr lang="en-GB" smtClean="0"/>
-              <a:t>08/11/2024</a:t>
+              <a:t>15/11/2024</a:t>
             </a:fld>
             <a:endParaRPr lang="en-GB"/>
           </a:p>
@@ -866,7 +871,7 @@
           <a:p>
             <a:fld id="{4E4AC8E9-E433-4087-A968-536B4AF3F39C}" type="datetimeFigureOut">
               <a:rPr lang="en-GB" smtClean="0"/>
-              <a:t>08/11/2024</a:t>
+              <a:t>15/11/2024</a:t>
             </a:fld>
             <a:endParaRPr lang="en-GB"/>
           </a:p>
@@ -1141,7 +1146,7 @@
           <a:p>
             <a:fld id="{4E4AC8E9-E433-4087-A968-536B4AF3F39C}" type="datetimeFigureOut">
               <a:rPr lang="en-GB" smtClean="0"/>
-              <a:t>08/11/2024</a:t>
+              <a:t>15/11/2024</a:t>
             </a:fld>
             <a:endParaRPr lang="en-GB"/>
           </a:p>
@@ -1406,7 +1411,7 @@
           <a:p>
             <a:fld id="{4E4AC8E9-E433-4087-A968-536B4AF3F39C}" type="datetimeFigureOut">
               <a:rPr lang="en-GB" smtClean="0"/>
-              <a:t>08/11/2024</a:t>
+              <a:t>15/11/2024</a:t>
             </a:fld>
             <a:endParaRPr lang="en-GB"/>
           </a:p>
@@ -1818,7 +1823,7 @@
           <a:p>
             <a:fld id="{4E4AC8E9-E433-4087-A968-536B4AF3F39C}" type="datetimeFigureOut">
               <a:rPr lang="en-GB" smtClean="0"/>
-              <a:t>08/11/2024</a:t>
+              <a:t>15/11/2024</a:t>
             </a:fld>
             <a:endParaRPr lang="en-GB"/>
           </a:p>
@@ -1959,7 +1964,7 @@
           <a:p>
             <a:fld id="{4E4AC8E9-E433-4087-A968-536B4AF3F39C}" type="datetimeFigureOut">
               <a:rPr lang="en-GB" smtClean="0"/>
-              <a:t>08/11/2024</a:t>
+              <a:t>15/11/2024</a:t>
             </a:fld>
             <a:endParaRPr lang="en-GB"/>
           </a:p>
@@ -2072,7 +2077,7 @@
           <a:p>
             <a:fld id="{4E4AC8E9-E433-4087-A968-536B4AF3F39C}" type="datetimeFigureOut">
               <a:rPr lang="en-GB" smtClean="0"/>
-              <a:t>08/11/2024</a:t>
+              <a:t>15/11/2024</a:t>
             </a:fld>
             <a:endParaRPr lang="en-GB"/>
           </a:p>
@@ -2383,7 +2388,7 @@
           <a:p>
             <a:fld id="{4E4AC8E9-E433-4087-A968-536B4AF3F39C}" type="datetimeFigureOut">
               <a:rPr lang="en-GB" smtClean="0"/>
-              <a:t>08/11/2024</a:t>
+              <a:t>15/11/2024</a:t>
             </a:fld>
             <a:endParaRPr lang="en-GB"/>
           </a:p>
@@ -2671,7 +2676,7 @@
           <a:p>
             <a:fld id="{4E4AC8E9-E433-4087-A968-536B4AF3F39C}" type="datetimeFigureOut">
               <a:rPr lang="en-GB" smtClean="0"/>
-              <a:t>08/11/2024</a:t>
+              <a:t>15/11/2024</a:t>
             </a:fld>
             <a:endParaRPr lang="en-GB"/>
           </a:p>
@@ -2912,7 +2917,7 @@
           <a:p>
             <a:fld id="{4E4AC8E9-E433-4087-A968-536B4AF3F39C}" type="datetimeFigureOut">
               <a:rPr lang="en-GB" smtClean="0"/>
-              <a:t>08/11/2024</a:t>
+              <a:t>15/11/2024</a:t>
             </a:fld>
             <a:endParaRPr lang="en-GB"/>
           </a:p>
@@ -3461,7 +3466,10 @@
           <a:bodyPr/>
           <a:lstStyle/>
           <a:p>
-            <a:endParaRPr lang="en-GB"/>
+            <a:r>
+              <a:rPr lang="en-GB" dirty="0"/>
+              <a:t>To create and present a 3D web game and website using HTML, CSS and JS.</a:t>
+            </a:r>
           </a:p>
         </p:txBody>
       </p:sp>
@@ -3544,7 +3552,27 @@
           <a:bodyPr/>
           <a:lstStyle/>
           <a:p>
-            <a:endParaRPr lang="en-GB"/>
+            <a:r>
+              <a:rPr lang="en-GB" dirty="0"/>
+              <a:t>Type: Shooting game</a:t>
+            </a:r>
+          </a:p>
+          <a:p>
+            <a:endParaRPr lang="en-GB" dirty="0"/>
+          </a:p>
+          <a:p>
+            <a:r>
+              <a:rPr lang="en-GB" dirty="0"/>
+              <a:t>Description: The player will have control of a ship that can shoot and incoming </a:t>
+            </a:r>
+            <a:r>
+              <a:rPr lang="en-GB" dirty="0" err="1"/>
+              <a:t>projecticles</a:t>
+            </a:r>
+            <a:r>
+              <a:rPr lang="en-GB" dirty="0"/>
+              <a:t>, there will be a timer and score system.</a:t>
+            </a:r>
           </a:p>
         </p:txBody>
       </p:sp>
@@ -3606,28 +3634,144 @@
           </a:p>
         </p:txBody>
       </p:sp>
-      <p:sp>
-        <p:nvSpPr>
-          <p:cNvPr id="3" name="Content Placeholder 2">
-            <a:extLst>
-              <a:ext uri="{FF2B5EF4-FFF2-40B4-BE49-F238E27FC236}">
-                <a16:creationId xmlns:a16="http://schemas.microsoft.com/office/drawing/2014/main" id="{859CE30F-A715-489B-8F98-FE4842D495FA}"/>
-              </a:ext>
-            </a:extLst>
-          </p:cNvPr>
-          <p:cNvSpPr>
-            <a:spLocks noGrp="1"/>
-          </p:cNvSpPr>
+      <p:pic>
+        <p:nvPicPr>
+          <p:cNvPr id="5" name="Content Placeholder 4">
+            <a:extLst>
+              <a:ext uri="{FF2B5EF4-FFF2-40B4-BE49-F238E27FC236}">
+                <a16:creationId xmlns:a16="http://schemas.microsoft.com/office/drawing/2014/main" id="{98F20C8E-48BA-4913-B544-AFCE9CCB6304}"/>
+              </a:ext>
+            </a:extLst>
+          </p:cNvPr>
+          <p:cNvPicPr>
+            <a:picLocks noGrp="1" noChangeAspect="1"/>
+          </p:cNvPicPr>
           <p:nvPr>
             <p:ph idx="1"/>
           </p:nvPr>
-        </p:nvSpPr>
-        <p:spPr/>
-        <p:txBody>
-          <a:bodyPr/>
-          <a:lstStyle/>
-          <a:p>
-            <a:endParaRPr lang="en-GB"/>
+        </p:nvPicPr>
+        <p:blipFill>
+          <a:blip r:embed="rId2">
+            <a:extLst>
+              <a:ext uri="{28A0092B-C50C-407E-A947-70E740481C1C}">
+                <a14:useLocalDpi xmlns:a14="http://schemas.microsoft.com/office/drawing/2010/main" val="0"/>
+              </a:ext>
+            </a:extLst>
+          </a:blip>
+          <a:stretch>
+            <a:fillRect/>
+          </a:stretch>
+        </p:blipFill>
+        <p:spPr>
+          <a:xfrm>
+            <a:off x="156679" y="1957388"/>
+            <a:ext cx="5702965" cy="3097212"/>
+          </a:xfrm>
+        </p:spPr>
+      </p:pic>
+      <p:pic>
+        <p:nvPicPr>
+          <p:cNvPr id="7" name="Picture 6">
+            <a:extLst>
+              <a:ext uri="{FF2B5EF4-FFF2-40B4-BE49-F238E27FC236}">
+                <a16:creationId xmlns:a16="http://schemas.microsoft.com/office/drawing/2014/main" id="{4008662D-F545-4867-B0AB-24DAE2B0F3D3}"/>
+              </a:ext>
+            </a:extLst>
+          </p:cNvPr>
+          <p:cNvPicPr>
+            <a:picLocks noChangeAspect="1"/>
+          </p:cNvPicPr>
+          <p:nvPr/>
+        </p:nvPicPr>
+        <p:blipFill>
+          <a:blip r:embed="rId3">
+            <a:extLst>
+              <a:ext uri="{28A0092B-C50C-407E-A947-70E740481C1C}">
+                <a14:useLocalDpi xmlns:a14="http://schemas.microsoft.com/office/drawing/2010/main" val="0"/>
+              </a:ext>
+            </a:extLst>
+          </a:blip>
+          <a:stretch>
+            <a:fillRect/>
+          </a:stretch>
+        </p:blipFill>
+        <p:spPr>
+          <a:xfrm>
+            <a:off x="5859644" y="1957388"/>
+            <a:ext cx="6194424" cy="3097212"/>
+          </a:xfrm>
+          <a:prstGeom prst="rect">
+            <a:avLst/>
+          </a:prstGeom>
+        </p:spPr>
+      </p:pic>
+      <p:sp>
+        <p:nvSpPr>
+          <p:cNvPr id="8" name="TextBox 7">
+            <a:extLst>
+              <a:ext uri="{FF2B5EF4-FFF2-40B4-BE49-F238E27FC236}">
+                <a16:creationId xmlns:a16="http://schemas.microsoft.com/office/drawing/2014/main" id="{9AA2ADFE-F3D5-4A18-AE74-BF775ADA0E51}"/>
+              </a:ext>
+            </a:extLst>
+          </p:cNvPr>
+          <p:cNvSpPr txBox="1"/>
+          <p:nvPr/>
+        </p:nvSpPr>
+        <p:spPr>
+          <a:xfrm>
+            <a:off x="469900" y="5194300"/>
+            <a:ext cx="4483100" cy="369332"/>
+          </a:xfrm>
+          <a:prstGeom prst="rect">
+            <a:avLst/>
+          </a:prstGeom>
+          <a:noFill/>
+        </p:spPr>
+        <p:txBody>
+          <a:bodyPr wrap="square" rtlCol="0">
+            <a:spAutoFit/>
+          </a:bodyPr>
+          <a:lstStyle/>
+          <a:p>
+            <a:r>
+              <a:rPr lang="en-GB" dirty="0"/>
+              <a:t>A.) Player </a:t>
+            </a:r>
+          </a:p>
+        </p:txBody>
+      </p:sp>
+      <p:sp>
+        <p:nvSpPr>
+          <p:cNvPr id="9" name="TextBox 8">
+            <a:extLst>
+              <a:ext uri="{FF2B5EF4-FFF2-40B4-BE49-F238E27FC236}">
+                <a16:creationId xmlns:a16="http://schemas.microsoft.com/office/drawing/2014/main" id="{8EEE6E9D-2103-4DA5-9E66-64A3F2D55B99}"/>
+              </a:ext>
+            </a:extLst>
+          </p:cNvPr>
+          <p:cNvSpPr txBox="1"/>
+          <p:nvPr/>
+        </p:nvSpPr>
+        <p:spPr>
+          <a:xfrm>
+            <a:off x="6096000" y="5194300"/>
+            <a:ext cx="5867400" cy="369332"/>
+          </a:xfrm>
+          <a:prstGeom prst="rect">
+            <a:avLst/>
+          </a:prstGeom>
+          <a:noFill/>
+        </p:spPr>
+        <p:txBody>
+          <a:bodyPr wrap="square" rtlCol="0">
+            <a:spAutoFit/>
+          </a:bodyPr>
+          <a:lstStyle/>
+          <a:p>
+            <a:r>
+              <a:rPr lang="en-GB" dirty="0"/>
+              <a:t>B.) skybox</a:t>
+            </a:r>
           </a:p>
         </p:txBody>
       </p:sp>
@@ -3689,28 +3833,85 @@
           </a:p>
         </p:txBody>
       </p:sp>
-      <p:sp>
-        <p:nvSpPr>
-          <p:cNvPr id="3" name="Content Placeholder 2">
-            <a:extLst>
-              <a:ext uri="{FF2B5EF4-FFF2-40B4-BE49-F238E27FC236}">
-                <a16:creationId xmlns:a16="http://schemas.microsoft.com/office/drawing/2014/main" id="{500F2700-2022-40E9-ABA6-EE4D15B44E11}"/>
-              </a:ext>
-            </a:extLst>
-          </p:cNvPr>
-          <p:cNvSpPr>
-            <a:spLocks noGrp="1"/>
-          </p:cNvSpPr>
-          <p:nvPr>
-            <p:ph idx="1"/>
-          </p:nvPr>
-        </p:nvSpPr>
-        <p:spPr/>
-        <p:txBody>
-          <a:bodyPr/>
-          <a:lstStyle/>
-          <a:p>
-            <a:endParaRPr lang="en-GB" dirty="0"/>
+      <p:pic>
+        <p:nvPicPr>
+          <p:cNvPr id="1026" name="Picture 2" descr="How to make a 3D Space Shooter in Godot in 10 minutes - YouTube">
+            <a:extLst>
+              <a:ext uri="{FF2B5EF4-FFF2-40B4-BE49-F238E27FC236}">
+                <a16:creationId xmlns:a16="http://schemas.microsoft.com/office/drawing/2014/main" id="{B5104996-BC36-4B5F-BFF1-6EE5B1556CD3}"/>
+              </a:ext>
+            </a:extLst>
+          </p:cNvPr>
+          <p:cNvPicPr>
+            <a:picLocks noChangeAspect="1" noChangeArrowheads="1"/>
+          </p:cNvPicPr>
+          <p:nvPr/>
+        </p:nvPicPr>
+        <p:blipFill>
+          <a:blip r:embed="rId2">
+            <a:extLst>
+              <a:ext uri="{28A0092B-C50C-407E-A947-70E740481C1C}">
+                <a14:useLocalDpi xmlns:a14="http://schemas.microsoft.com/office/drawing/2010/main" val="0"/>
+              </a:ext>
+            </a:extLst>
+          </a:blip>
+          <a:srcRect/>
+          <a:stretch>
+            <a:fillRect/>
+          </a:stretch>
+        </p:blipFill>
+        <p:spPr bwMode="auto">
+          <a:xfrm>
+            <a:off x="1895474" y="1690688"/>
+            <a:ext cx="7464426" cy="4188898"/>
+          </a:xfrm>
+          <a:prstGeom prst="rect">
+            <a:avLst/>
+          </a:prstGeom>
+          <a:noFill/>
+          <a:extLst>
+            <a:ext uri="{909E8E84-426E-40DD-AFC4-6F175D3DCCD1}">
+              <a14:hiddenFill xmlns:a14="http://schemas.microsoft.com/office/drawing/2010/main">
+                <a:solidFill>
+                  <a:srgbClr val="FFFFFF"/>
+                </a:solidFill>
+              </a14:hiddenFill>
+            </a:ext>
+          </a:extLst>
+        </p:spPr>
+      </p:pic>
+      <p:sp>
+        <p:nvSpPr>
+          <p:cNvPr id="4" name="TextBox 3">
+            <a:extLst>
+              <a:ext uri="{FF2B5EF4-FFF2-40B4-BE49-F238E27FC236}">
+                <a16:creationId xmlns:a16="http://schemas.microsoft.com/office/drawing/2014/main" id="{C9CDCF5E-957B-4E95-B918-286D71BBE600}"/>
+              </a:ext>
+            </a:extLst>
+          </p:cNvPr>
+          <p:cNvSpPr txBox="1"/>
+          <p:nvPr/>
+        </p:nvSpPr>
+        <p:spPr>
+          <a:xfrm>
+            <a:off x="1728787" y="6019286"/>
+            <a:ext cx="7797800" cy="369332"/>
+          </a:xfrm>
+          <a:prstGeom prst="rect">
+            <a:avLst/>
+          </a:prstGeom>
+          <a:noFill/>
+        </p:spPr>
+        <p:txBody>
+          <a:bodyPr wrap="square" rtlCol="0">
+            <a:spAutoFit/>
+          </a:bodyPr>
+          <a:lstStyle/>
+          <a:p>
+            <a:r>
+              <a:rPr lang="en-GB" dirty="0"/>
+              <a:t>A.) Example of what my web game will look like</a:t>
+            </a:r>
           </a:p>
         </p:txBody>
       </p:sp>
@@ -3769,31 +3970,6 @@
               <a:rPr lang="en-GB" dirty="0"/>
               <a:t>Web preview</a:t>
             </a:r>
-          </a:p>
-        </p:txBody>
-      </p:sp>
-      <p:sp>
-        <p:nvSpPr>
-          <p:cNvPr id="3" name="Content Placeholder 2">
-            <a:extLst>
-              <a:ext uri="{FF2B5EF4-FFF2-40B4-BE49-F238E27FC236}">
-                <a16:creationId xmlns:a16="http://schemas.microsoft.com/office/drawing/2014/main" id="{AED5951C-D549-4C36-B5AA-9D29ED476C82}"/>
-              </a:ext>
-            </a:extLst>
-          </p:cNvPr>
-          <p:cNvSpPr>
-            <a:spLocks noGrp="1"/>
-          </p:cNvSpPr>
-          <p:nvPr>
-            <p:ph idx="1"/>
-          </p:nvPr>
-        </p:nvSpPr>
-        <p:spPr/>
-        <p:txBody>
-          <a:bodyPr/>
-          <a:lstStyle/>
-          <a:p>
-            <a:endParaRPr lang="en-GB"/>
           </a:p>
         </p:txBody>
       </p:sp>
